--- a/sql/img/SQLcompact_afbeeldingen.pptx
+++ b/sql/img/SQLcompact_afbeeldingen.pptx
@@ -3358,56 +3358,435 @@
           <a:chExt cx="0" cy="0"/>
         </a:xfrm>
       </p:grpSpPr>
-      <p:sp>
-        <p:nvSpPr>
-          <p:cNvPr id="2" name="Titel 1">
-            <a:extLst>
-              <a:ext uri="{FF2B5EF4-FFF2-40B4-BE49-F238E27FC236}">
-                <a16:creationId xmlns:a16="http://schemas.microsoft.com/office/drawing/2014/main" id="{CA67863D-B6E7-BF5A-B2B4-68B4CD04F56F}"/>
-              </a:ext>
-            </a:extLst>
-          </p:cNvPr>
-          <p:cNvSpPr>
-            <a:spLocks noGrp="1"/>
-          </p:cNvSpPr>
-          <p:nvPr>
-            <p:ph type="ctrTitle"/>
-          </p:nvPr>
-        </p:nvSpPr>
-        <p:spPr/>
-        <p:txBody>
-          <a:bodyPr/>
-          <a:lstStyle/>
-          <a:p>
-            <a:endParaRPr lang="en-US"/>
-          </a:p>
-        </p:txBody>
-      </p:sp>
-      <p:sp>
-        <p:nvSpPr>
-          <p:cNvPr id="3" name="Ondertitel 2">
-            <a:extLst>
-              <a:ext uri="{FF2B5EF4-FFF2-40B4-BE49-F238E27FC236}">
-                <a16:creationId xmlns:a16="http://schemas.microsoft.com/office/drawing/2014/main" id="{6C96D8AE-679B-0548-3192-F016B0603CB4}"/>
-              </a:ext>
-            </a:extLst>
-          </p:cNvPr>
-          <p:cNvSpPr>
-            <a:spLocks noGrp="1"/>
-          </p:cNvSpPr>
-          <p:nvPr>
-            <p:ph type="subTitle" idx="1"/>
-          </p:nvPr>
-        </p:nvSpPr>
-        <p:spPr/>
-        <p:txBody>
-          <a:bodyPr/>
-          <a:lstStyle/>
-          <a:p>
-            <a:endParaRPr lang="en-US"/>
-          </a:p>
-        </p:txBody>
-      </p:sp>
+      <p:pic>
+        <p:nvPicPr>
+          <p:cNvPr id="9" name="Afbeelding 8">
+            <a:extLst>
+              <a:ext uri="{FF2B5EF4-FFF2-40B4-BE49-F238E27FC236}">
+                <a16:creationId xmlns:a16="http://schemas.microsoft.com/office/drawing/2014/main" id="{C35FF02F-3B1A-D431-FC5D-2765C89F2E10}"/>
+              </a:ext>
+            </a:extLst>
+          </p:cNvPr>
+          <p:cNvPicPr>
+            <a:picLocks noChangeAspect="1"/>
+          </p:cNvPicPr>
+          <p:nvPr/>
+        </p:nvPicPr>
+        <p:blipFill>
+          <a:blip r:embed="rId2"/>
+          <a:stretch>
+            <a:fillRect/>
+          </a:stretch>
+        </p:blipFill>
+        <p:spPr>
+          <a:xfrm>
+            <a:off x="3708485" y="450479"/>
+            <a:ext cx="3217069" cy="2937085"/>
+          </a:xfrm>
+          <a:prstGeom prst="rect">
+            <a:avLst/>
+          </a:prstGeom>
+        </p:spPr>
+      </p:pic>
+      <p:pic>
+        <p:nvPicPr>
+          <p:cNvPr id="13" name="Afbeelding 12">
+            <a:extLst>
+              <a:ext uri="{FF2B5EF4-FFF2-40B4-BE49-F238E27FC236}">
+                <a16:creationId xmlns:a16="http://schemas.microsoft.com/office/drawing/2014/main" id="{CDACE154-3BC6-F063-146C-5C2B105A76CB}"/>
+              </a:ext>
+            </a:extLst>
+          </p:cNvPr>
+          <p:cNvPicPr>
+            <a:picLocks noChangeAspect="1"/>
+          </p:cNvPicPr>
+          <p:nvPr/>
+        </p:nvPicPr>
+        <p:blipFill>
+          <a:blip r:embed="rId3"/>
+          <a:stretch>
+            <a:fillRect/>
+          </a:stretch>
+        </p:blipFill>
+        <p:spPr>
+          <a:xfrm>
+            <a:off x="4377010" y="4125664"/>
+            <a:ext cx="4914898" cy="2127249"/>
+          </a:xfrm>
+          <a:prstGeom prst="rect">
+            <a:avLst/>
+          </a:prstGeom>
+        </p:spPr>
+      </p:pic>
+      <p:pic>
+        <p:nvPicPr>
+          <p:cNvPr id="22" name="Afbeelding 21">
+            <a:extLst>
+              <a:ext uri="{FF2B5EF4-FFF2-40B4-BE49-F238E27FC236}">
+                <a16:creationId xmlns:a16="http://schemas.microsoft.com/office/drawing/2014/main" id="{62C9911B-A195-8F09-89CF-7EEA6455D9E2}"/>
+              </a:ext>
+            </a:extLst>
+          </p:cNvPr>
+          <p:cNvPicPr>
+            <a:picLocks noChangeAspect="1"/>
+          </p:cNvPicPr>
+          <p:nvPr/>
+        </p:nvPicPr>
+        <p:blipFill>
+          <a:blip r:embed="rId4"/>
+          <a:stretch>
+            <a:fillRect/>
+          </a:stretch>
+        </p:blipFill>
+        <p:spPr>
+          <a:xfrm>
+            <a:off x="8354454" y="450479"/>
+            <a:ext cx="2470293" cy="2866900"/>
+          </a:xfrm>
+          <a:prstGeom prst="rect">
+            <a:avLst/>
+          </a:prstGeom>
+        </p:spPr>
+      </p:pic>
+      <p:cxnSp>
+        <p:nvCxnSpPr>
+          <p:cNvPr id="20" name="Rechte verbindingslijn 19">
+            <a:extLst>
+              <a:ext uri="{FF2B5EF4-FFF2-40B4-BE49-F238E27FC236}">
+                <a16:creationId xmlns:a16="http://schemas.microsoft.com/office/drawing/2014/main" id="{FF3B4DB2-706A-E138-B94A-6A9B466F93FC}"/>
+              </a:ext>
+            </a:extLst>
+          </p:cNvPr>
+          <p:cNvCxnSpPr>
+            <a:cxnSpLocks/>
+          </p:cNvCxnSpPr>
+          <p:nvPr/>
+        </p:nvCxnSpPr>
+        <p:spPr>
+          <a:xfrm>
+            <a:off x="6925554" y="2176668"/>
+            <a:ext cx="2165442" cy="0"/>
+          </a:xfrm>
+          <a:prstGeom prst="line">
+            <a:avLst/>
+          </a:prstGeom>
+          <a:ln w="38100">
+            <a:solidFill>
+              <a:srgbClr val="C00000"/>
+            </a:solidFill>
+            <a:headEnd type="stealth"/>
+            <a:tailEnd type="stealth"/>
+          </a:ln>
+        </p:spPr>
+        <p:style>
+          <a:lnRef idx="2">
+            <a:schemeClr val="accent1"/>
+          </a:lnRef>
+          <a:fillRef idx="0">
+            <a:schemeClr val="accent1"/>
+          </a:fillRef>
+          <a:effectRef idx="1">
+            <a:schemeClr val="accent1"/>
+          </a:effectRef>
+          <a:fontRef idx="minor">
+            <a:schemeClr val="tx1"/>
+          </a:fontRef>
+        </p:style>
+      </p:cxnSp>
+      <p:sp>
+        <p:nvSpPr>
+          <p:cNvPr id="25" name="Tekstvak 24">
+            <a:extLst>
+              <a:ext uri="{FF2B5EF4-FFF2-40B4-BE49-F238E27FC236}">
+                <a16:creationId xmlns:a16="http://schemas.microsoft.com/office/drawing/2014/main" id="{8FAE6B92-6217-2283-0696-376D55F7E2B8}"/>
+              </a:ext>
+            </a:extLst>
+          </p:cNvPr>
+          <p:cNvSpPr txBox="1"/>
+          <p:nvPr/>
+        </p:nvSpPr>
+        <p:spPr>
+          <a:xfrm>
+            <a:off x="0" y="4404139"/>
+            <a:ext cx="6718852" cy="369332"/>
+          </a:xfrm>
+          <a:prstGeom prst="rect">
+            <a:avLst/>
+          </a:prstGeom>
+          <a:noFill/>
+        </p:spPr>
+        <p:txBody>
+          <a:bodyPr wrap="square" rtlCol="0">
+            <a:spAutoFit/>
+          </a:bodyPr>
+          <a:lstStyle/>
+          <a:p>
+            <a:r>
+              <a:rPr lang="en-US"/>
+              <a:t>JOIN van tabellen </a:t>
+            </a:r>
+            <a:r>
+              <a:rPr lang="en-US" i="1"/>
+              <a:t>besteldepizza</a:t>
+            </a:r>
+            <a:r>
+              <a:rPr lang="en-US"/>
+              <a:t> en </a:t>
+            </a:r>
+            <a:r>
+              <a:rPr lang="en-US" i="1"/>
+              <a:t>pizza:</a:t>
+            </a:r>
+          </a:p>
+        </p:txBody>
+      </p:sp>
+      <p:sp>
+        <p:nvSpPr>
+          <p:cNvPr id="26" name="Rechthoek 25">
+            <a:extLst>
+              <a:ext uri="{FF2B5EF4-FFF2-40B4-BE49-F238E27FC236}">
+                <a16:creationId xmlns:a16="http://schemas.microsoft.com/office/drawing/2014/main" id="{0CC7080E-9C59-E99D-30E1-22A7E024257D}"/>
+              </a:ext>
+            </a:extLst>
+          </p:cNvPr>
+          <p:cNvSpPr/>
+          <p:nvPr/>
+        </p:nvSpPr>
+        <p:spPr>
+          <a:xfrm>
+            <a:off x="5269952" y="1952487"/>
+            <a:ext cx="1581426" cy="388730"/>
+          </a:xfrm>
+          <a:prstGeom prst="rect">
+            <a:avLst/>
+          </a:prstGeom>
+          <a:noFill/>
+          <a:ln>
+            <a:solidFill>
+              <a:srgbClr val="C00000"/>
+            </a:solidFill>
+          </a:ln>
+        </p:spPr>
+        <p:style>
+          <a:lnRef idx="2">
+            <a:schemeClr val="accent1">
+              <a:shade val="15000"/>
+            </a:schemeClr>
+          </a:lnRef>
+          <a:fillRef idx="1">
+            <a:schemeClr val="accent1"/>
+          </a:fillRef>
+          <a:effectRef idx="0">
+            <a:schemeClr val="accent1"/>
+          </a:effectRef>
+          <a:fontRef idx="minor">
+            <a:schemeClr val="lt1"/>
+          </a:fontRef>
+        </p:style>
+        <p:txBody>
+          <a:bodyPr rtlCol="0" anchor="ctr"/>
+          <a:lstStyle/>
+          <a:p>
+            <a:pPr algn="ctr"/>
+            <a:endParaRPr lang="en-US"/>
+          </a:p>
+        </p:txBody>
+      </p:sp>
+      <p:sp>
+        <p:nvSpPr>
+          <p:cNvPr id="27" name="Rechthoek 26">
+            <a:extLst>
+              <a:ext uri="{FF2B5EF4-FFF2-40B4-BE49-F238E27FC236}">
+                <a16:creationId xmlns:a16="http://schemas.microsoft.com/office/drawing/2014/main" id="{0088615B-2379-0CD4-663B-ED1135773AE3}"/>
+              </a:ext>
+            </a:extLst>
+          </p:cNvPr>
+          <p:cNvSpPr/>
+          <p:nvPr/>
+        </p:nvSpPr>
+        <p:spPr>
+          <a:xfrm>
+            <a:off x="9243321" y="1982303"/>
+            <a:ext cx="1581426" cy="388730"/>
+          </a:xfrm>
+          <a:prstGeom prst="rect">
+            <a:avLst/>
+          </a:prstGeom>
+          <a:noFill/>
+          <a:ln>
+            <a:solidFill>
+              <a:srgbClr val="C00000"/>
+            </a:solidFill>
+          </a:ln>
+        </p:spPr>
+        <p:style>
+          <a:lnRef idx="2">
+            <a:schemeClr val="accent1">
+              <a:shade val="15000"/>
+            </a:schemeClr>
+          </a:lnRef>
+          <a:fillRef idx="1">
+            <a:schemeClr val="accent1"/>
+          </a:fillRef>
+          <a:effectRef idx="0">
+            <a:schemeClr val="accent1"/>
+          </a:effectRef>
+          <a:fontRef idx="minor">
+            <a:schemeClr val="lt1"/>
+          </a:fontRef>
+        </p:style>
+        <p:txBody>
+          <a:bodyPr rtlCol="0" anchor="ctr"/>
+          <a:lstStyle/>
+          <a:p>
+            <a:pPr algn="ctr"/>
+            <a:endParaRPr lang="en-US"/>
+          </a:p>
+        </p:txBody>
+      </p:sp>
+      <p:sp>
+        <p:nvSpPr>
+          <p:cNvPr id="28" name="Rechthoek 27">
+            <a:extLst>
+              <a:ext uri="{FF2B5EF4-FFF2-40B4-BE49-F238E27FC236}">
+                <a16:creationId xmlns:a16="http://schemas.microsoft.com/office/drawing/2014/main" id="{614018DD-144A-9A2A-0678-34186303A436}"/>
+              </a:ext>
+            </a:extLst>
+          </p:cNvPr>
+          <p:cNvSpPr/>
+          <p:nvPr/>
+        </p:nvSpPr>
+        <p:spPr>
+          <a:xfrm>
+            <a:off x="6096000" y="5202540"/>
+            <a:ext cx="3195908" cy="442886"/>
+          </a:xfrm>
+          <a:prstGeom prst="rect">
+            <a:avLst/>
+          </a:prstGeom>
+          <a:noFill/>
+          <a:ln>
+            <a:solidFill>
+              <a:srgbClr val="C00000"/>
+            </a:solidFill>
+          </a:ln>
+        </p:spPr>
+        <p:style>
+          <a:lnRef idx="2">
+            <a:schemeClr val="accent1">
+              <a:shade val="15000"/>
+            </a:schemeClr>
+          </a:lnRef>
+          <a:fillRef idx="1">
+            <a:schemeClr val="accent1"/>
+          </a:fillRef>
+          <a:effectRef idx="0">
+            <a:schemeClr val="accent1"/>
+          </a:effectRef>
+          <a:fontRef idx="minor">
+            <a:schemeClr val="lt1"/>
+          </a:fontRef>
+        </p:style>
+        <p:txBody>
+          <a:bodyPr rtlCol="0" anchor="ctr"/>
+          <a:lstStyle/>
+          <a:p>
+            <a:pPr algn="ctr"/>
+            <a:endParaRPr lang="en-US"/>
+          </a:p>
+        </p:txBody>
+      </p:sp>
+      <p:cxnSp>
+        <p:nvCxnSpPr>
+          <p:cNvPr id="29" name="Rechte verbindingslijn 28">
+            <a:extLst>
+              <a:ext uri="{FF2B5EF4-FFF2-40B4-BE49-F238E27FC236}">
+                <a16:creationId xmlns:a16="http://schemas.microsoft.com/office/drawing/2014/main" id="{A3D7B9C9-C6C2-A81E-8EA1-ECB64047D766}"/>
+              </a:ext>
+            </a:extLst>
+          </p:cNvPr>
+          <p:cNvCxnSpPr>
+            <a:cxnSpLocks/>
+          </p:cNvCxnSpPr>
+          <p:nvPr/>
+        </p:nvCxnSpPr>
+        <p:spPr>
+          <a:xfrm>
+            <a:off x="6096000" y="2371033"/>
+            <a:ext cx="1219200" cy="2742719"/>
+          </a:xfrm>
+          <a:prstGeom prst="line">
+            <a:avLst/>
+          </a:prstGeom>
+          <a:ln w="9525">
+            <a:solidFill>
+              <a:srgbClr val="C00000"/>
+            </a:solidFill>
+            <a:headEnd type="none"/>
+            <a:tailEnd type="stealth"/>
+          </a:ln>
+        </p:spPr>
+        <p:style>
+          <a:lnRef idx="2">
+            <a:schemeClr val="accent1"/>
+          </a:lnRef>
+          <a:fillRef idx="0">
+            <a:schemeClr val="accent1"/>
+          </a:fillRef>
+          <a:effectRef idx="1">
+            <a:schemeClr val="accent1"/>
+          </a:effectRef>
+          <a:fontRef idx="minor">
+            <a:schemeClr val="tx1"/>
+          </a:fontRef>
+        </p:style>
+      </p:cxnSp>
+      <p:cxnSp>
+        <p:nvCxnSpPr>
+          <p:cNvPr id="32" name="Rechte verbindingslijn 31">
+            <a:extLst>
+              <a:ext uri="{FF2B5EF4-FFF2-40B4-BE49-F238E27FC236}">
+                <a16:creationId xmlns:a16="http://schemas.microsoft.com/office/drawing/2014/main" id="{2B434620-31EA-04B9-F79A-FD766D8F61F2}"/>
+              </a:ext>
+            </a:extLst>
+          </p:cNvPr>
+          <p:cNvCxnSpPr>
+            <a:cxnSpLocks/>
+            <a:stCxn id="27" idx="2"/>
+          </p:cNvCxnSpPr>
+          <p:nvPr/>
+        </p:nvCxnSpPr>
+        <p:spPr>
+          <a:xfrm flipH="1">
+            <a:off x="8437842" y="2371033"/>
+            <a:ext cx="1596192" cy="2742720"/>
+          </a:xfrm>
+          <a:prstGeom prst="line">
+            <a:avLst/>
+          </a:prstGeom>
+          <a:ln w="9525">
+            <a:solidFill>
+              <a:srgbClr val="C00000"/>
+            </a:solidFill>
+            <a:headEnd type="none"/>
+            <a:tailEnd type="stealth"/>
+          </a:ln>
+        </p:spPr>
+        <p:style>
+          <a:lnRef idx="2">
+            <a:schemeClr val="accent1"/>
+          </a:lnRef>
+          <a:fillRef idx="0">
+            <a:schemeClr val="accent1"/>
+          </a:fillRef>
+          <a:effectRef idx="1">
+            <a:schemeClr val="accent1"/>
+          </a:effectRef>
+          <a:fontRef idx="minor">
+            <a:schemeClr val="tx1"/>
+          </a:fontRef>
+        </p:style>
+      </p:cxnSp>
     </p:spTree>
     <p:extLst>
       <p:ext uri="{BB962C8B-B14F-4D97-AF65-F5344CB8AC3E}">

--- a/sql/img/SQLcompact_afbeeldingen.pptx
+++ b/sql/img/SQLcompact_afbeeldingen.pptx
@@ -6,6 +6,7 @@
   </p:sldMasterIdLst>
   <p:sldIdLst>
     <p:sldId id="256" r:id="rId2"/>
+    <p:sldId id="257" r:id="rId3"/>
   </p:sldIdLst>
   <p:sldSz cx="12192000" cy="6858000"/>
   <p:notesSz cx="6858000" cy="9144000"/>
@@ -272,7 +273,7 @@
           <a:p>
             <a:fld id="{A16C4B6E-B458-49AB-B465-122E3E427539}" type="datetimeFigureOut">
               <a:rPr lang="en-US" smtClean="0"/>
-              <a:t>27-May-25</a:t>
+              <a:t>01-Jul-25</a:t>
             </a:fld>
             <a:endParaRPr lang="en-US"/>
           </a:p>
@@ -472,7 +473,7 @@
           <a:p>
             <a:fld id="{A16C4B6E-B458-49AB-B465-122E3E427539}" type="datetimeFigureOut">
               <a:rPr lang="en-US" smtClean="0"/>
-              <a:t>27-May-25</a:t>
+              <a:t>01-Jul-25</a:t>
             </a:fld>
             <a:endParaRPr lang="en-US"/>
           </a:p>
@@ -682,7 +683,7 @@
           <a:p>
             <a:fld id="{A16C4B6E-B458-49AB-B465-122E3E427539}" type="datetimeFigureOut">
               <a:rPr lang="en-US" smtClean="0"/>
-              <a:t>27-May-25</a:t>
+              <a:t>01-Jul-25</a:t>
             </a:fld>
             <a:endParaRPr lang="en-US"/>
           </a:p>
@@ -882,7 +883,7 @@
           <a:p>
             <a:fld id="{A16C4B6E-B458-49AB-B465-122E3E427539}" type="datetimeFigureOut">
               <a:rPr lang="en-US" smtClean="0"/>
-              <a:t>27-May-25</a:t>
+              <a:t>01-Jul-25</a:t>
             </a:fld>
             <a:endParaRPr lang="en-US"/>
           </a:p>
@@ -1158,7 +1159,7 @@
           <a:p>
             <a:fld id="{A16C4B6E-B458-49AB-B465-122E3E427539}" type="datetimeFigureOut">
               <a:rPr lang="en-US" smtClean="0"/>
-              <a:t>27-May-25</a:t>
+              <a:t>01-Jul-25</a:t>
             </a:fld>
             <a:endParaRPr lang="en-US"/>
           </a:p>
@@ -1426,7 +1427,7 @@
           <a:p>
             <a:fld id="{A16C4B6E-B458-49AB-B465-122E3E427539}" type="datetimeFigureOut">
               <a:rPr lang="en-US" smtClean="0"/>
-              <a:t>27-May-25</a:t>
+              <a:t>01-Jul-25</a:t>
             </a:fld>
             <a:endParaRPr lang="en-US"/>
           </a:p>
@@ -1841,7 +1842,7 @@
           <a:p>
             <a:fld id="{A16C4B6E-B458-49AB-B465-122E3E427539}" type="datetimeFigureOut">
               <a:rPr lang="en-US" smtClean="0"/>
-              <a:t>27-May-25</a:t>
+              <a:t>01-Jul-25</a:t>
             </a:fld>
             <a:endParaRPr lang="en-US"/>
           </a:p>
@@ -1983,7 +1984,7 @@
           <a:p>
             <a:fld id="{A16C4B6E-B458-49AB-B465-122E3E427539}" type="datetimeFigureOut">
               <a:rPr lang="en-US" smtClean="0"/>
-              <a:t>27-May-25</a:t>
+              <a:t>01-Jul-25</a:t>
             </a:fld>
             <a:endParaRPr lang="en-US"/>
           </a:p>
@@ -2096,7 +2097,7 @@
           <a:p>
             <a:fld id="{A16C4B6E-B458-49AB-B465-122E3E427539}" type="datetimeFigureOut">
               <a:rPr lang="en-US" smtClean="0"/>
-              <a:t>27-May-25</a:t>
+              <a:t>01-Jul-25</a:t>
             </a:fld>
             <a:endParaRPr lang="en-US"/>
           </a:p>
@@ -2409,7 +2410,7 @@
           <a:p>
             <a:fld id="{A16C4B6E-B458-49AB-B465-122E3E427539}" type="datetimeFigureOut">
               <a:rPr lang="en-US" smtClean="0"/>
-              <a:t>27-May-25</a:t>
+              <a:t>01-Jul-25</a:t>
             </a:fld>
             <a:endParaRPr lang="en-US"/>
           </a:p>
@@ -2698,7 +2699,7 @@
           <a:p>
             <a:fld id="{A16C4B6E-B458-49AB-B465-122E3E427539}" type="datetimeFigureOut">
               <a:rPr lang="en-US" smtClean="0"/>
-              <a:t>27-May-25</a:t>
+              <a:t>01-Jul-25</a:t>
             </a:fld>
             <a:endParaRPr lang="en-US"/>
           </a:p>
@@ -2941,7 +2942,7 @@
           <a:p>
             <a:fld id="{A16C4B6E-B458-49AB-B465-122E3E427539}" type="datetimeFigureOut">
               <a:rPr lang="en-US" smtClean="0"/>
-              <a:t>27-May-25</a:t>
+              <a:t>01-Jul-25</a:t>
             </a:fld>
             <a:endParaRPr lang="en-US"/>
           </a:p>
@@ -3800,6 +3801,278 @@
 </p:sld>
 </file>
 
+<file path=ppt/slides/slide2.xml><?xml version="1.0" encoding="utf-8"?>
+<p:sld xmlns:a="http://schemas.openxmlformats.org/drawingml/2006/main" xmlns:r="http://schemas.openxmlformats.org/officeDocument/2006/relationships" xmlns:p="http://schemas.openxmlformats.org/presentationml/2006/main">
+  <p:cSld>
+    <p:bg>
+      <p:bgPr>
+        <a:solidFill>
+          <a:schemeClr val="bg1"/>
+        </a:solidFill>
+        <a:effectLst/>
+      </p:bgPr>
+    </p:bg>
+    <p:spTree>
+      <p:nvGrpSpPr>
+        <p:cNvPr id="1" name=""/>
+        <p:cNvGrpSpPr/>
+        <p:nvPr/>
+      </p:nvGrpSpPr>
+      <p:grpSpPr>
+        <a:xfrm>
+          <a:off x="0" y="0"/>
+          <a:ext cx="0" cy="0"/>
+          <a:chOff x="0" y="0"/>
+          <a:chExt cx="0" cy="0"/>
+        </a:xfrm>
+      </p:grpSpPr>
+      <p:pic>
+        <p:nvPicPr>
+          <p:cNvPr id="1028" name="Picture 4" descr="Netflix | Brand Assets | Logos">
+            <a:extLst>
+              <a:ext uri="{FF2B5EF4-FFF2-40B4-BE49-F238E27FC236}">
+                <a16:creationId xmlns:a16="http://schemas.microsoft.com/office/drawing/2014/main" id="{5ACA4439-EC37-CEC5-B400-0945FDEC907B}"/>
+              </a:ext>
+            </a:extLst>
+          </p:cNvPr>
+          <p:cNvPicPr>
+            <a:picLocks noChangeAspect="1" noChangeArrowheads="1"/>
+          </p:cNvPicPr>
+          <p:nvPr/>
+        </p:nvPicPr>
+        <p:blipFill rotWithShape="1">
+          <a:blip r:embed="rId2">
+            <a:extLst>
+              <a:ext uri="{28A0092B-C50C-407E-A947-70E740481C1C}">
+                <a14:useLocalDpi xmlns:a14="http://schemas.microsoft.com/office/drawing/2010/main" val="0"/>
+              </a:ext>
+            </a:extLst>
+          </a:blip>
+          <a:srcRect l="14259" t="26099" r="7382" b="25905"/>
+          <a:stretch>
+            <a:fillRect/>
+          </a:stretch>
+        </p:blipFill>
+        <p:spPr bwMode="auto">
+          <a:xfrm>
+            <a:off x="919949" y="787329"/>
+            <a:ext cx="3417274" cy="1177395"/>
+          </a:xfrm>
+          <a:prstGeom prst="rect">
+            <a:avLst/>
+          </a:prstGeom>
+          <a:noFill/>
+          <a:extLst>
+            <a:ext uri="{909E8E84-426E-40DD-AFC4-6F175D3DCCD1}">
+              <a14:hiddenFill xmlns:a14="http://schemas.microsoft.com/office/drawing/2010/main">
+                <a:solidFill>
+                  <a:srgbClr val="FFFFFF"/>
+                </a:solidFill>
+              </a14:hiddenFill>
+            </a:ext>
+          </a:extLst>
+        </p:spPr>
+      </p:pic>
+      <p:pic>
+        <p:nvPicPr>
+          <p:cNvPr id="1026" name="Picture 2" descr="undefined">
+            <a:extLst>
+              <a:ext uri="{FF2B5EF4-FFF2-40B4-BE49-F238E27FC236}">
+                <a16:creationId xmlns:a16="http://schemas.microsoft.com/office/drawing/2014/main" id="{5A48533D-A018-E58F-518A-78E87F38AA08}"/>
+              </a:ext>
+            </a:extLst>
+          </p:cNvPr>
+          <p:cNvPicPr>
+            <a:picLocks noChangeAspect="1" noChangeArrowheads="1"/>
+          </p:cNvPicPr>
+          <p:nvPr/>
+        </p:nvPicPr>
+        <p:blipFill>
+          <a:blip r:embed="rId3">
+            <a:extLst>
+              <a:ext uri="{28A0092B-C50C-407E-A947-70E740481C1C}">
+                <a14:useLocalDpi xmlns:a14="http://schemas.microsoft.com/office/drawing/2010/main" val="0"/>
+              </a:ext>
+            </a:extLst>
+          </a:blip>
+          <a:stretch>
+            <a:fillRect/>
+          </a:stretch>
+        </p:blipFill>
+        <p:spPr bwMode="auto">
+          <a:xfrm>
+            <a:off x="919948" y="5627005"/>
+            <a:ext cx="5291667" cy="1177395"/>
+          </a:xfrm>
+          <a:prstGeom prst="rect">
+            <a:avLst/>
+          </a:prstGeom>
+          <a:noFill/>
+          <a:extLst>
+            <a:ext uri="{909E8E84-426E-40DD-AFC4-6F175D3DCCD1}">
+              <a14:hiddenFill xmlns:a14="http://schemas.microsoft.com/office/drawing/2010/main">
+                <a:solidFill>
+                  <a:srgbClr val="FFFFFF"/>
+                </a:solidFill>
+              </a14:hiddenFill>
+            </a:ext>
+          </a:extLst>
+        </p:spPr>
+      </p:pic>
+      <p:pic>
+        <p:nvPicPr>
+          <p:cNvPr id="2" name="Picture 2" descr="undefined">
+            <a:extLst>
+              <a:ext uri="{FF2B5EF4-FFF2-40B4-BE49-F238E27FC236}">
+                <a16:creationId xmlns:a16="http://schemas.microsoft.com/office/drawing/2014/main" id="{A3F5B4E8-8848-8D79-362D-18A1EFF0B9B6}"/>
+              </a:ext>
+            </a:extLst>
+          </p:cNvPr>
+          <p:cNvPicPr>
+            <a:picLocks noChangeAspect="1" noChangeArrowheads="1"/>
+          </p:cNvPicPr>
+          <p:nvPr/>
+        </p:nvPicPr>
+        <p:blipFill rotWithShape="1">
+          <a:blip r:embed="rId3">
+            <a:extLst>
+              <a:ext uri="{28A0092B-C50C-407E-A947-70E740481C1C}">
+                <a14:useLocalDpi xmlns:a14="http://schemas.microsoft.com/office/drawing/2010/main" val="0"/>
+              </a:ext>
+            </a:extLst>
+          </a:blip>
+          <a:srcRect l="53737" r="20110" b="-8776"/>
+          <a:stretch>
+            <a:fillRect/>
+          </a:stretch>
+        </p:blipFill>
+        <p:spPr bwMode="auto">
+          <a:xfrm>
+            <a:off x="1786634" y="2501113"/>
+            <a:ext cx="1383957" cy="1280729"/>
+          </a:xfrm>
+          <a:prstGeom prst="rect">
+            <a:avLst/>
+          </a:prstGeom>
+          <a:noFill/>
+          <a:extLst>
+            <a:ext uri="{909E8E84-426E-40DD-AFC4-6F175D3DCCD1}">
+              <a14:hiddenFill xmlns:a14="http://schemas.microsoft.com/office/drawing/2010/main">
+                <a:solidFill>
+                  <a:srgbClr val="FFFFFF"/>
+                </a:solidFill>
+              </a14:hiddenFill>
+            </a:ext>
+          </a:extLst>
+        </p:spPr>
+      </p:pic>
+      <p:pic>
+        <p:nvPicPr>
+          <p:cNvPr id="3" name="Picture 2" descr="undefined">
+            <a:extLst>
+              <a:ext uri="{FF2B5EF4-FFF2-40B4-BE49-F238E27FC236}">
+                <a16:creationId xmlns:a16="http://schemas.microsoft.com/office/drawing/2014/main" id="{B60C96B0-7A31-A344-357A-9F68FE9738FD}"/>
+              </a:ext>
+            </a:extLst>
+          </p:cNvPr>
+          <p:cNvPicPr>
+            <a:picLocks noChangeAspect="1" noChangeArrowheads="1"/>
+          </p:cNvPicPr>
+          <p:nvPr/>
+        </p:nvPicPr>
+        <p:blipFill rotWithShape="1">
+          <a:blip r:embed="rId3">
+            <a:extLst>
+              <a:ext uri="{28A0092B-C50C-407E-A947-70E740481C1C}">
+                <a14:useLocalDpi xmlns:a14="http://schemas.microsoft.com/office/drawing/2010/main" val="0"/>
+              </a:ext>
+            </a:extLst>
+          </a:blip>
+          <a:srcRect l="19332" r="62017" b="-961"/>
+          <a:stretch>
+            <a:fillRect/>
+          </a:stretch>
+        </p:blipFill>
+        <p:spPr bwMode="auto">
+          <a:xfrm>
+            <a:off x="7854779" y="945680"/>
+            <a:ext cx="1102550" cy="1327963"/>
+          </a:xfrm>
+          <a:prstGeom prst="rect">
+            <a:avLst/>
+          </a:prstGeom>
+          <a:noFill/>
+          <a:extLst>
+            <a:ext uri="{909E8E84-426E-40DD-AFC4-6F175D3DCCD1}">
+              <a14:hiddenFill xmlns:a14="http://schemas.microsoft.com/office/drawing/2010/main">
+                <a:solidFill>
+                  <a:srgbClr val="FFFFFF"/>
+                </a:solidFill>
+              </a14:hiddenFill>
+            </a:ext>
+          </a:extLst>
+        </p:spPr>
+      </p:pic>
+      <p:pic>
+        <p:nvPicPr>
+          <p:cNvPr id="1030" name="Picture 6" descr="Oracle Logo PNG Transparent &amp; SVG Vector - Freebie Supply">
+            <a:extLst>
+              <a:ext uri="{FF2B5EF4-FFF2-40B4-BE49-F238E27FC236}">
+                <a16:creationId xmlns:a16="http://schemas.microsoft.com/office/drawing/2014/main" id="{83FAE5B2-DBDC-CD59-87E7-236C24319BF8}"/>
+              </a:ext>
+            </a:extLst>
+          </p:cNvPr>
+          <p:cNvPicPr>
+            <a:picLocks noChangeAspect="1" noChangeArrowheads="1"/>
+          </p:cNvPicPr>
+          <p:nvPr/>
+        </p:nvPicPr>
+        <p:blipFill rotWithShape="1">
+          <a:blip r:embed="rId4">
+            <a:extLst>
+              <a:ext uri="{28A0092B-C50C-407E-A947-70E740481C1C}">
+                <a14:useLocalDpi xmlns:a14="http://schemas.microsoft.com/office/drawing/2010/main" val="0"/>
+              </a:ext>
+            </a:extLst>
+          </a:blip>
+          <a:srcRect t="37122" b="33881"/>
+          <a:stretch>
+            <a:fillRect/>
+          </a:stretch>
+        </p:blipFill>
+        <p:spPr bwMode="auto">
+          <a:xfrm>
+            <a:off x="3816749" y="2501113"/>
+            <a:ext cx="2627300" cy="612790"/>
+          </a:xfrm>
+          <a:prstGeom prst="rect">
+            <a:avLst/>
+          </a:prstGeom>
+          <a:noFill/>
+          <a:extLst>
+            <a:ext uri="{909E8E84-426E-40DD-AFC4-6F175D3DCCD1}">
+              <a14:hiddenFill xmlns:a14="http://schemas.microsoft.com/office/drawing/2010/main">
+                <a:solidFill>
+                  <a:srgbClr val="FFFFFF"/>
+                </a:solidFill>
+              </a14:hiddenFill>
+            </a:ext>
+          </a:extLst>
+        </p:spPr>
+      </p:pic>
+    </p:spTree>
+    <p:extLst>
+      <p:ext uri="{BB962C8B-B14F-4D97-AF65-F5344CB8AC3E}">
+        <p14:creationId xmlns:p14="http://schemas.microsoft.com/office/powerpoint/2010/main" val="1432698585"/>
+      </p:ext>
+    </p:extLst>
+  </p:cSld>
+  <p:clrMapOvr>
+    <a:masterClrMapping/>
+  </p:clrMapOvr>
+</p:sld>
+</file>
+
 <file path=ppt/theme/theme1.xml><?xml version="1.0" encoding="utf-8"?>
 <a:theme xmlns:a="http://schemas.openxmlformats.org/drawingml/2006/main" name="Kantoorthema">
   <a:themeElements>

--- a/sql/img/SQLcompact_afbeeldingen.pptx
+++ b/sql/img/SQLcompact_afbeeldingen.pptx
@@ -6,7 +6,8 @@
   </p:sldMasterIdLst>
   <p:sldIdLst>
     <p:sldId id="256" r:id="rId2"/>
-    <p:sldId id="257" r:id="rId3"/>
+    <p:sldId id="258" r:id="rId3"/>
+    <p:sldId id="257" r:id="rId4"/>
   </p:sldIdLst>
   <p:sldSz cx="12192000" cy="6858000"/>
   <p:notesSz cx="6858000" cy="9144000"/>
@@ -273,7 +274,7 @@
           <a:p>
             <a:fld id="{A16C4B6E-B458-49AB-B465-122E3E427539}" type="datetimeFigureOut">
               <a:rPr lang="en-US" smtClean="0"/>
-              <a:t>01-Jul-25</a:t>
+              <a:t>29-Jul-25</a:t>
             </a:fld>
             <a:endParaRPr lang="en-US"/>
           </a:p>
@@ -473,7 +474,7 @@
           <a:p>
             <a:fld id="{A16C4B6E-B458-49AB-B465-122E3E427539}" type="datetimeFigureOut">
               <a:rPr lang="en-US" smtClean="0"/>
-              <a:t>01-Jul-25</a:t>
+              <a:t>29-Jul-25</a:t>
             </a:fld>
             <a:endParaRPr lang="en-US"/>
           </a:p>
@@ -683,7 +684,7 @@
           <a:p>
             <a:fld id="{A16C4B6E-B458-49AB-B465-122E3E427539}" type="datetimeFigureOut">
               <a:rPr lang="en-US" smtClean="0"/>
-              <a:t>01-Jul-25</a:t>
+              <a:t>29-Jul-25</a:t>
             </a:fld>
             <a:endParaRPr lang="en-US"/>
           </a:p>
@@ -883,7 +884,7 @@
           <a:p>
             <a:fld id="{A16C4B6E-B458-49AB-B465-122E3E427539}" type="datetimeFigureOut">
               <a:rPr lang="en-US" smtClean="0"/>
-              <a:t>01-Jul-25</a:t>
+              <a:t>29-Jul-25</a:t>
             </a:fld>
             <a:endParaRPr lang="en-US"/>
           </a:p>
@@ -1159,7 +1160,7 @@
           <a:p>
             <a:fld id="{A16C4B6E-B458-49AB-B465-122E3E427539}" type="datetimeFigureOut">
               <a:rPr lang="en-US" smtClean="0"/>
-              <a:t>01-Jul-25</a:t>
+              <a:t>29-Jul-25</a:t>
             </a:fld>
             <a:endParaRPr lang="en-US"/>
           </a:p>
@@ -1427,7 +1428,7 @@
           <a:p>
             <a:fld id="{A16C4B6E-B458-49AB-B465-122E3E427539}" type="datetimeFigureOut">
               <a:rPr lang="en-US" smtClean="0"/>
-              <a:t>01-Jul-25</a:t>
+              <a:t>29-Jul-25</a:t>
             </a:fld>
             <a:endParaRPr lang="en-US"/>
           </a:p>
@@ -1842,7 +1843,7 @@
           <a:p>
             <a:fld id="{A16C4B6E-B458-49AB-B465-122E3E427539}" type="datetimeFigureOut">
               <a:rPr lang="en-US" smtClean="0"/>
-              <a:t>01-Jul-25</a:t>
+              <a:t>29-Jul-25</a:t>
             </a:fld>
             <a:endParaRPr lang="en-US"/>
           </a:p>
@@ -1984,7 +1985,7 @@
           <a:p>
             <a:fld id="{A16C4B6E-B458-49AB-B465-122E3E427539}" type="datetimeFigureOut">
               <a:rPr lang="en-US" smtClean="0"/>
-              <a:t>01-Jul-25</a:t>
+              <a:t>29-Jul-25</a:t>
             </a:fld>
             <a:endParaRPr lang="en-US"/>
           </a:p>
@@ -2097,7 +2098,7 @@
           <a:p>
             <a:fld id="{A16C4B6E-B458-49AB-B465-122E3E427539}" type="datetimeFigureOut">
               <a:rPr lang="en-US" smtClean="0"/>
-              <a:t>01-Jul-25</a:t>
+              <a:t>29-Jul-25</a:t>
             </a:fld>
             <a:endParaRPr lang="en-US"/>
           </a:p>
@@ -2410,7 +2411,7 @@
           <a:p>
             <a:fld id="{A16C4B6E-B458-49AB-B465-122E3E427539}" type="datetimeFigureOut">
               <a:rPr lang="en-US" smtClean="0"/>
-              <a:t>01-Jul-25</a:t>
+              <a:t>29-Jul-25</a:t>
             </a:fld>
             <a:endParaRPr lang="en-US"/>
           </a:p>
@@ -2699,7 +2700,7 @@
           <a:p>
             <a:fld id="{A16C4B6E-B458-49AB-B465-122E3E427539}" type="datetimeFigureOut">
               <a:rPr lang="en-US" smtClean="0"/>
-              <a:t>01-Jul-25</a:t>
+              <a:t>29-Jul-25</a:t>
             </a:fld>
             <a:endParaRPr lang="en-US"/>
           </a:p>
@@ -2942,7 +2943,7 @@
           <a:p>
             <a:fld id="{A16C4B6E-B458-49AB-B465-122E3E427539}" type="datetimeFigureOut">
               <a:rPr lang="en-US" smtClean="0"/>
-              <a:t>01-Jul-25</a:t>
+              <a:t>29-Jul-25</a:t>
             </a:fld>
             <a:endParaRPr lang="en-US"/>
           </a:p>
@@ -3802,6 +3803,251 @@
 </file>
 
 <file path=ppt/slides/slide2.xml><?xml version="1.0" encoding="utf-8"?>
+<p:sld xmlns:a="http://schemas.openxmlformats.org/drawingml/2006/main" xmlns:r="http://schemas.openxmlformats.org/officeDocument/2006/relationships" xmlns:p="http://schemas.openxmlformats.org/presentationml/2006/main">
+  <p:cSld>
+    <p:spTree>
+      <p:nvGrpSpPr>
+        <p:cNvPr id="1" name="">
+          <a:extLst>
+            <a:ext uri="{FF2B5EF4-FFF2-40B4-BE49-F238E27FC236}">
+              <a16:creationId xmlns:a16="http://schemas.microsoft.com/office/drawing/2014/main" id="{C951FE12-E540-4E8D-AF62-8C585B36628F}"/>
+            </a:ext>
+          </a:extLst>
+        </p:cNvPr>
+        <p:cNvGrpSpPr/>
+        <p:nvPr/>
+      </p:nvGrpSpPr>
+      <p:grpSpPr>
+        <a:xfrm>
+          <a:off x="0" y="0"/>
+          <a:ext cx="0" cy="0"/>
+          <a:chOff x="0" y="0"/>
+          <a:chExt cx="0" cy="0"/>
+        </a:xfrm>
+      </p:grpSpPr>
+      <p:pic>
+        <p:nvPicPr>
+          <p:cNvPr id="9" name="Afbeelding 8">
+            <a:extLst>
+              <a:ext uri="{FF2B5EF4-FFF2-40B4-BE49-F238E27FC236}">
+                <a16:creationId xmlns:a16="http://schemas.microsoft.com/office/drawing/2014/main" id="{F0FED9F7-4B15-6D86-0858-080377F6A932}"/>
+              </a:ext>
+            </a:extLst>
+          </p:cNvPr>
+          <p:cNvPicPr>
+            <a:picLocks noChangeAspect="1"/>
+          </p:cNvPicPr>
+          <p:nvPr/>
+        </p:nvPicPr>
+        <p:blipFill>
+          <a:blip r:embed="rId2"/>
+          <a:stretch>
+            <a:fillRect/>
+          </a:stretch>
+        </p:blipFill>
+        <p:spPr>
+          <a:xfrm>
+            <a:off x="3708485" y="450479"/>
+            <a:ext cx="3217069" cy="2937085"/>
+          </a:xfrm>
+          <a:prstGeom prst="rect">
+            <a:avLst/>
+          </a:prstGeom>
+        </p:spPr>
+      </p:pic>
+      <p:pic>
+        <p:nvPicPr>
+          <p:cNvPr id="22" name="Afbeelding 21">
+            <a:extLst>
+              <a:ext uri="{FF2B5EF4-FFF2-40B4-BE49-F238E27FC236}">
+                <a16:creationId xmlns:a16="http://schemas.microsoft.com/office/drawing/2014/main" id="{68675443-12D3-3EC0-6296-8E5F3D4AF8BC}"/>
+              </a:ext>
+            </a:extLst>
+          </p:cNvPr>
+          <p:cNvPicPr>
+            <a:picLocks noChangeAspect="1"/>
+          </p:cNvPicPr>
+          <p:nvPr/>
+        </p:nvPicPr>
+        <p:blipFill>
+          <a:blip r:embed="rId3"/>
+          <a:stretch>
+            <a:fillRect/>
+          </a:stretch>
+        </p:blipFill>
+        <p:spPr>
+          <a:xfrm>
+            <a:off x="8354454" y="450479"/>
+            <a:ext cx="2470293" cy="2866900"/>
+          </a:xfrm>
+          <a:prstGeom prst="rect">
+            <a:avLst/>
+          </a:prstGeom>
+        </p:spPr>
+      </p:pic>
+      <p:cxnSp>
+        <p:nvCxnSpPr>
+          <p:cNvPr id="20" name="Rechte verbindingslijn 19">
+            <a:extLst>
+              <a:ext uri="{FF2B5EF4-FFF2-40B4-BE49-F238E27FC236}">
+                <a16:creationId xmlns:a16="http://schemas.microsoft.com/office/drawing/2014/main" id="{BA9989F5-DD77-4A68-E19F-8EDDBFE36437}"/>
+              </a:ext>
+            </a:extLst>
+          </p:cNvPr>
+          <p:cNvCxnSpPr>
+            <a:cxnSpLocks/>
+          </p:cNvCxnSpPr>
+          <p:nvPr/>
+        </p:nvCxnSpPr>
+        <p:spPr>
+          <a:xfrm>
+            <a:off x="6925554" y="2176668"/>
+            <a:ext cx="2165442" cy="0"/>
+          </a:xfrm>
+          <a:prstGeom prst="line">
+            <a:avLst/>
+          </a:prstGeom>
+          <a:ln w="38100">
+            <a:solidFill>
+              <a:srgbClr val="C00000"/>
+            </a:solidFill>
+            <a:headEnd type="stealth"/>
+            <a:tailEnd type="stealth"/>
+          </a:ln>
+        </p:spPr>
+        <p:style>
+          <a:lnRef idx="2">
+            <a:schemeClr val="accent1"/>
+          </a:lnRef>
+          <a:fillRef idx="0">
+            <a:schemeClr val="accent1"/>
+          </a:fillRef>
+          <a:effectRef idx="1">
+            <a:schemeClr val="accent1"/>
+          </a:effectRef>
+          <a:fontRef idx="minor">
+            <a:schemeClr val="tx1"/>
+          </a:fontRef>
+        </p:style>
+      </p:cxnSp>
+      <p:sp>
+        <p:nvSpPr>
+          <p:cNvPr id="26" name="Rechthoek 25">
+            <a:extLst>
+              <a:ext uri="{FF2B5EF4-FFF2-40B4-BE49-F238E27FC236}">
+                <a16:creationId xmlns:a16="http://schemas.microsoft.com/office/drawing/2014/main" id="{22459A3E-7972-BB20-7566-CA08EC18295B}"/>
+              </a:ext>
+            </a:extLst>
+          </p:cNvPr>
+          <p:cNvSpPr/>
+          <p:nvPr/>
+        </p:nvSpPr>
+        <p:spPr>
+          <a:xfrm>
+            <a:off x="5269952" y="1952487"/>
+            <a:ext cx="1581426" cy="388730"/>
+          </a:xfrm>
+          <a:prstGeom prst="rect">
+            <a:avLst/>
+          </a:prstGeom>
+          <a:noFill/>
+          <a:ln>
+            <a:solidFill>
+              <a:srgbClr val="C00000"/>
+            </a:solidFill>
+          </a:ln>
+        </p:spPr>
+        <p:style>
+          <a:lnRef idx="2">
+            <a:schemeClr val="accent1">
+              <a:shade val="15000"/>
+            </a:schemeClr>
+          </a:lnRef>
+          <a:fillRef idx="1">
+            <a:schemeClr val="accent1"/>
+          </a:fillRef>
+          <a:effectRef idx="0">
+            <a:schemeClr val="accent1"/>
+          </a:effectRef>
+          <a:fontRef idx="minor">
+            <a:schemeClr val="lt1"/>
+          </a:fontRef>
+        </p:style>
+        <p:txBody>
+          <a:bodyPr rtlCol="0" anchor="ctr"/>
+          <a:lstStyle/>
+          <a:p>
+            <a:pPr algn="ctr"/>
+            <a:endParaRPr lang="en-US"/>
+          </a:p>
+        </p:txBody>
+      </p:sp>
+      <p:sp>
+        <p:nvSpPr>
+          <p:cNvPr id="27" name="Rechthoek 26">
+            <a:extLst>
+              <a:ext uri="{FF2B5EF4-FFF2-40B4-BE49-F238E27FC236}">
+                <a16:creationId xmlns:a16="http://schemas.microsoft.com/office/drawing/2014/main" id="{6DAB9630-5CDC-BDF4-91FF-651E90CBC624}"/>
+              </a:ext>
+            </a:extLst>
+          </p:cNvPr>
+          <p:cNvSpPr/>
+          <p:nvPr/>
+        </p:nvSpPr>
+        <p:spPr>
+          <a:xfrm>
+            <a:off x="9243321" y="1982303"/>
+            <a:ext cx="1581426" cy="388730"/>
+          </a:xfrm>
+          <a:prstGeom prst="rect">
+            <a:avLst/>
+          </a:prstGeom>
+          <a:noFill/>
+          <a:ln>
+            <a:solidFill>
+              <a:srgbClr val="C00000"/>
+            </a:solidFill>
+          </a:ln>
+        </p:spPr>
+        <p:style>
+          <a:lnRef idx="2">
+            <a:schemeClr val="accent1">
+              <a:shade val="15000"/>
+            </a:schemeClr>
+          </a:lnRef>
+          <a:fillRef idx="1">
+            <a:schemeClr val="accent1"/>
+          </a:fillRef>
+          <a:effectRef idx="0">
+            <a:schemeClr val="accent1"/>
+          </a:effectRef>
+          <a:fontRef idx="minor">
+            <a:schemeClr val="lt1"/>
+          </a:fontRef>
+        </p:style>
+        <p:txBody>
+          <a:bodyPr rtlCol="0" anchor="ctr"/>
+          <a:lstStyle/>
+          <a:p>
+            <a:pPr algn="ctr"/>
+            <a:endParaRPr lang="en-US"/>
+          </a:p>
+        </p:txBody>
+      </p:sp>
+    </p:spTree>
+    <p:extLst>
+      <p:ext uri="{BB962C8B-B14F-4D97-AF65-F5344CB8AC3E}">
+        <p14:creationId xmlns:p14="http://schemas.microsoft.com/office/powerpoint/2010/main" val="1019742652"/>
+      </p:ext>
+    </p:extLst>
+  </p:cSld>
+  <p:clrMapOvr>
+    <a:masterClrMapping/>
+  </p:clrMapOvr>
+</p:sld>
+</file>
+
+<file path=ppt/slides/slide3.xml><?xml version="1.0" encoding="utf-8"?>
 <p:sld xmlns:a="http://schemas.openxmlformats.org/drawingml/2006/main" xmlns:r="http://schemas.openxmlformats.org/officeDocument/2006/relationships" xmlns:p="http://schemas.openxmlformats.org/presentationml/2006/main">
   <p:cSld>
     <p:bg>

--- a/sql/img/SQLcompact_afbeeldingen.pptx
+++ b/sql/img/SQLcompact_afbeeldingen.pptx
@@ -3827,10 +3827,10 @@
       </p:grpSpPr>
       <p:pic>
         <p:nvPicPr>
-          <p:cNvPr id="9" name="Afbeelding 8">
-            <a:extLst>
-              <a:ext uri="{FF2B5EF4-FFF2-40B4-BE49-F238E27FC236}">
-                <a16:creationId xmlns:a16="http://schemas.microsoft.com/office/drawing/2014/main" id="{F0FED9F7-4B15-6D86-0858-080377F6A932}"/>
+          <p:cNvPr id="8" name="Afbeelding 7">
+            <a:extLst>
+              <a:ext uri="{FF2B5EF4-FFF2-40B4-BE49-F238E27FC236}">
+                <a16:creationId xmlns:a16="http://schemas.microsoft.com/office/drawing/2014/main" id="{4C19632D-B6EB-AE0C-ED6E-C22A4D534E1B}"/>
               </a:ext>
             </a:extLst>
           </p:cNvPr>
@@ -3847,8 +3847,8 @@
         </p:blipFill>
         <p:spPr>
           <a:xfrm>
-            <a:off x="3708485" y="450479"/>
-            <a:ext cx="3217069" cy="2937085"/>
+            <a:off x="5658265" y="660401"/>
+            <a:ext cx="4738225" cy="6197599"/>
           </a:xfrm>
           <a:prstGeom prst="rect">
             <a:avLst/>
@@ -3857,10 +3857,10 @@
       </p:pic>
       <p:pic>
         <p:nvPicPr>
-          <p:cNvPr id="22" name="Afbeelding 21">
-            <a:extLst>
-              <a:ext uri="{FF2B5EF4-FFF2-40B4-BE49-F238E27FC236}">
-                <a16:creationId xmlns:a16="http://schemas.microsoft.com/office/drawing/2014/main" id="{68675443-12D3-3EC0-6296-8E5F3D4AF8BC}"/>
+          <p:cNvPr id="9" name="Afbeelding 8">
+            <a:extLst>
+              <a:ext uri="{FF2B5EF4-FFF2-40B4-BE49-F238E27FC236}">
+                <a16:creationId xmlns:a16="http://schemas.microsoft.com/office/drawing/2014/main" id="{F0FED9F7-4B15-6D86-0858-080377F6A932}"/>
               </a:ext>
             </a:extLst>
           </p:cNvPr>
@@ -3877,8 +3877,8 @@
         </p:blipFill>
         <p:spPr>
           <a:xfrm>
-            <a:off x="8354454" y="450479"/>
-            <a:ext cx="2470293" cy="2866900"/>
+            <a:off x="368186" y="264212"/>
+            <a:ext cx="3217069" cy="2937085"/>
           </a:xfrm>
           <a:prstGeom prst="rect">
             <a:avLst/>
@@ -3901,8 +3901,8 @@
         </p:nvCxnSpPr>
         <p:spPr>
           <a:xfrm>
-            <a:off x="6925554" y="2176668"/>
-            <a:ext cx="2165442" cy="0"/>
+            <a:off x="3478169" y="1982303"/>
+            <a:ext cx="2617831" cy="517057"/>
           </a:xfrm>
           <a:prstGeom prst="line">
             <a:avLst/>
@@ -3944,8 +3944,8 @@
         </p:nvSpPr>
         <p:spPr>
           <a:xfrm>
-            <a:off x="5269952" y="1952487"/>
-            <a:ext cx="1581426" cy="388730"/>
+            <a:off x="3162300" y="1795558"/>
+            <a:ext cx="293008" cy="330422"/>
           </a:xfrm>
           <a:prstGeom prst="rect">
             <a:avLst/>
@@ -3996,8 +3996,8 @@
         </p:nvSpPr>
         <p:spPr>
           <a:xfrm>
-            <a:off x="9243321" y="1982303"/>
-            <a:ext cx="1581426" cy="388730"/>
+            <a:off x="6113928" y="2340443"/>
+            <a:ext cx="264012" cy="296077"/>
           </a:xfrm>
           <a:prstGeom prst="rect">
             <a:avLst/>
@@ -4034,6 +4034,389 @@
           </a:p>
         </p:txBody>
       </p:sp>
+      <p:pic>
+        <p:nvPicPr>
+          <p:cNvPr id="10" name="Afbeelding 9">
+            <a:extLst>
+              <a:ext uri="{FF2B5EF4-FFF2-40B4-BE49-F238E27FC236}">
+                <a16:creationId xmlns:a16="http://schemas.microsoft.com/office/drawing/2014/main" id="{A09AA6D7-7824-CEE6-7E10-10502EB7E1AD}"/>
+              </a:ext>
+            </a:extLst>
+          </p:cNvPr>
+          <p:cNvPicPr>
+            <a:picLocks noChangeAspect="1"/>
+          </p:cNvPicPr>
+          <p:nvPr/>
+        </p:nvPicPr>
+        <p:blipFill>
+          <a:blip r:embed="rId4"/>
+          <a:srcRect r="17845" b="87405"/>
+          <a:stretch>
+            <a:fillRect/>
+          </a:stretch>
+        </p:blipFill>
+        <p:spPr>
+          <a:xfrm>
+            <a:off x="5658266" y="299304"/>
+            <a:ext cx="2029468" cy="361097"/>
+          </a:xfrm>
+          <a:prstGeom prst="rect">
+            <a:avLst/>
+          </a:prstGeom>
+        </p:spPr>
+      </p:pic>
+      <p:sp>
+        <p:nvSpPr>
+          <p:cNvPr id="11" name="Rechthoek 10">
+            <a:extLst>
+              <a:ext uri="{FF2B5EF4-FFF2-40B4-BE49-F238E27FC236}">
+                <a16:creationId xmlns:a16="http://schemas.microsoft.com/office/drawing/2014/main" id="{6262AB45-85A3-ECA3-09B1-E63D01E4D276}"/>
+              </a:ext>
+            </a:extLst>
+          </p:cNvPr>
+          <p:cNvSpPr/>
+          <p:nvPr/>
+        </p:nvSpPr>
+        <p:spPr>
+          <a:xfrm>
+            <a:off x="7687734" y="299304"/>
+            <a:ext cx="2708756" cy="361097"/>
+          </a:xfrm>
+          <a:prstGeom prst="rect">
+            <a:avLst/>
+          </a:prstGeom>
+          <a:solidFill>
+            <a:srgbClr val="D9EDFD"/>
+          </a:solidFill>
+          <a:ln>
+            <a:noFill/>
+          </a:ln>
+        </p:spPr>
+        <p:style>
+          <a:lnRef idx="2">
+            <a:schemeClr val="accent1">
+              <a:shade val="15000"/>
+            </a:schemeClr>
+          </a:lnRef>
+          <a:fillRef idx="1">
+            <a:schemeClr val="accent1"/>
+          </a:fillRef>
+          <a:effectRef idx="0">
+            <a:schemeClr val="accent1"/>
+          </a:effectRef>
+          <a:fontRef idx="minor">
+            <a:schemeClr val="lt1"/>
+          </a:fontRef>
+        </p:style>
+        <p:txBody>
+          <a:bodyPr rtlCol="0" anchor="ctr"/>
+          <a:lstStyle/>
+          <a:p>
+            <a:pPr algn="ctr"/>
+            <a:endParaRPr lang="en-US"/>
+          </a:p>
+        </p:txBody>
+      </p:sp>
+      <p:sp>
+        <p:nvSpPr>
+          <p:cNvPr id="14" name="Rechthoek 13">
+            <a:extLst>
+              <a:ext uri="{FF2B5EF4-FFF2-40B4-BE49-F238E27FC236}">
+                <a16:creationId xmlns:a16="http://schemas.microsoft.com/office/drawing/2014/main" id="{E485400D-C422-8A72-2B52-CE7BF5A8F45E}"/>
+              </a:ext>
+            </a:extLst>
+          </p:cNvPr>
+          <p:cNvSpPr/>
+          <p:nvPr/>
+        </p:nvSpPr>
+        <p:spPr>
+          <a:xfrm>
+            <a:off x="3145742" y="2240831"/>
+            <a:ext cx="293009" cy="330422"/>
+          </a:xfrm>
+          <a:prstGeom prst="rect">
+            <a:avLst/>
+          </a:prstGeom>
+          <a:noFill/>
+          <a:ln>
+            <a:solidFill>
+              <a:srgbClr val="C00000"/>
+            </a:solidFill>
+          </a:ln>
+        </p:spPr>
+        <p:style>
+          <a:lnRef idx="2">
+            <a:schemeClr val="accent1">
+              <a:shade val="15000"/>
+            </a:schemeClr>
+          </a:lnRef>
+          <a:fillRef idx="1">
+            <a:schemeClr val="accent1"/>
+          </a:fillRef>
+          <a:effectRef idx="0">
+            <a:schemeClr val="accent1"/>
+          </a:effectRef>
+          <a:fontRef idx="minor">
+            <a:schemeClr val="lt1"/>
+          </a:fontRef>
+        </p:style>
+        <p:txBody>
+          <a:bodyPr rtlCol="0" anchor="ctr"/>
+          <a:lstStyle/>
+          <a:p>
+            <a:pPr algn="ctr"/>
+            <a:endParaRPr lang="en-US"/>
+          </a:p>
+        </p:txBody>
+      </p:sp>
+      <p:sp>
+        <p:nvSpPr>
+          <p:cNvPr id="15" name="Rechthoek 14">
+            <a:extLst>
+              <a:ext uri="{FF2B5EF4-FFF2-40B4-BE49-F238E27FC236}">
+                <a16:creationId xmlns:a16="http://schemas.microsoft.com/office/drawing/2014/main" id="{9FDD9E64-7DCF-0370-8A4D-5B984E2D16DA}"/>
+              </a:ext>
+            </a:extLst>
+          </p:cNvPr>
+          <p:cNvSpPr/>
+          <p:nvPr/>
+        </p:nvSpPr>
+        <p:spPr>
+          <a:xfrm>
+            <a:off x="3162300" y="1335045"/>
+            <a:ext cx="293008" cy="330422"/>
+          </a:xfrm>
+          <a:prstGeom prst="rect">
+            <a:avLst/>
+          </a:prstGeom>
+          <a:noFill/>
+          <a:ln>
+            <a:solidFill>
+              <a:srgbClr val="C00000"/>
+            </a:solidFill>
+          </a:ln>
+        </p:spPr>
+        <p:style>
+          <a:lnRef idx="2">
+            <a:schemeClr val="accent1">
+              <a:shade val="15000"/>
+            </a:schemeClr>
+          </a:lnRef>
+          <a:fillRef idx="1">
+            <a:schemeClr val="accent1"/>
+          </a:fillRef>
+          <a:effectRef idx="0">
+            <a:schemeClr val="accent1"/>
+          </a:effectRef>
+          <a:fontRef idx="minor">
+            <a:schemeClr val="lt1"/>
+          </a:fontRef>
+        </p:style>
+        <p:txBody>
+          <a:bodyPr rtlCol="0" anchor="ctr"/>
+          <a:lstStyle/>
+          <a:p>
+            <a:pPr algn="ctr"/>
+            <a:endParaRPr lang="en-US"/>
+          </a:p>
+        </p:txBody>
+      </p:sp>
+      <p:sp>
+        <p:nvSpPr>
+          <p:cNvPr id="16" name="Rechthoek 15">
+            <a:extLst>
+              <a:ext uri="{FF2B5EF4-FFF2-40B4-BE49-F238E27FC236}">
+                <a16:creationId xmlns:a16="http://schemas.microsoft.com/office/drawing/2014/main" id="{58898A39-865F-3A18-82CB-C6DB3B170420}"/>
+              </a:ext>
+            </a:extLst>
+          </p:cNvPr>
+          <p:cNvSpPr/>
+          <p:nvPr/>
+        </p:nvSpPr>
+        <p:spPr>
+          <a:xfrm>
+            <a:off x="6113928" y="3689183"/>
+            <a:ext cx="264012" cy="296077"/>
+          </a:xfrm>
+          <a:prstGeom prst="rect">
+            <a:avLst/>
+          </a:prstGeom>
+          <a:noFill/>
+          <a:ln>
+            <a:solidFill>
+              <a:srgbClr val="C00000"/>
+            </a:solidFill>
+          </a:ln>
+        </p:spPr>
+        <p:style>
+          <a:lnRef idx="2">
+            <a:schemeClr val="accent1">
+              <a:shade val="15000"/>
+            </a:schemeClr>
+          </a:lnRef>
+          <a:fillRef idx="1">
+            <a:schemeClr val="accent1"/>
+          </a:fillRef>
+          <a:effectRef idx="0">
+            <a:schemeClr val="accent1"/>
+          </a:effectRef>
+          <a:fontRef idx="minor">
+            <a:schemeClr val="lt1"/>
+          </a:fontRef>
+        </p:style>
+        <p:txBody>
+          <a:bodyPr rtlCol="0" anchor="ctr"/>
+          <a:lstStyle/>
+          <a:p>
+            <a:pPr algn="ctr"/>
+            <a:endParaRPr lang="en-US"/>
+          </a:p>
+        </p:txBody>
+      </p:sp>
+      <p:sp>
+        <p:nvSpPr>
+          <p:cNvPr id="17" name="Rechthoek 16">
+            <a:extLst>
+              <a:ext uri="{FF2B5EF4-FFF2-40B4-BE49-F238E27FC236}">
+                <a16:creationId xmlns:a16="http://schemas.microsoft.com/office/drawing/2014/main" id="{74F63EB9-9316-B2B6-14AD-9DD00A8AA7DF}"/>
+              </a:ext>
+            </a:extLst>
+          </p:cNvPr>
+          <p:cNvSpPr/>
+          <p:nvPr/>
+        </p:nvSpPr>
+        <p:spPr>
+          <a:xfrm>
+            <a:off x="6098688" y="5815163"/>
+            <a:ext cx="264012" cy="296077"/>
+          </a:xfrm>
+          <a:prstGeom prst="rect">
+            <a:avLst/>
+          </a:prstGeom>
+          <a:noFill/>
+          <a:ln>
+            <a:solidFill>
+              <a:srgbClr val="C00000"/>
+            </a:solidFill>
+          </a:ln>
+        </p:spPr>
+        <p:style>
+          <a:lnRef idx="2">
+            <a:schemeClr val="accent1">
+              <a:shade val="15000"/>
+            </a:schemeClr>
+          </a:lnRef>
+          <a:fillRef idx="1">
+            <a:schemeClr val="accent1"/>
+          </a:fillRef>
+          <a:effectRef idx="0">
+            <a:schemeClr val="accent1"/>
+          </a:effectRef>
+          <a:fontRef idx="minor">
+            <a:schemeClr val="lt1"/>
+          </a:fontRef>
+        </p:style>
+        <p:txBody>
+          <a:bodyPr rtlCol="0" anchor="ctr"/>
+          <a:lstStyle/>
+          <a:p>
+            <a:pPr algn="ctr"/>
+            <a:endParaRPr lang="en-US"/>
+          </a:p>
+        </p:txBody>
+      </p:sp>
+      <p:cxnSp>
+        <p:nvCxnSpPr>
+          <p:cNvPr id="18" name="Rechte verbindingslijn 17">
+            <a:extLst>
+              <a:ext uri="{FF2B5EF4-FFF2-40B4-BE49-F238E27FC236}">
+                <a16:creationId xmlns:a16="http://schemas.microsoft.com/office/drawing/2014/main" id="{4C391F00-5A8D-235A-DEFA-CF75C09BAAE0}"/>
+              </a:ext>
+            </a:extLst>
+          </p:cNvPr>
+          <p:cNvCxnSpPr>
+            <a:cxnSpLocks/>
+            <a:stCxn id="15" idx="3"/>
+            <a:endCxn id="16" idx="1"/>
+          </p:cNvCxnSpPr>
+          <p:nvPr/>
+        </p:nvCxnSpPr>
+        <p:spPr>
+          <a:xfrm>
+            <a:off x="3455308" y="1500256"/>
+            <a:ext cx="2658620" cy="2336966"/>
+          </a:xfrm>
+          <a:prstGeom prst="line">
+            <a:avLst/>
+          </a:prstGeom>
+          <a:ln w="38100">
+            <a:solidFill>
+              <a:srgbClr val="C00000"/>
+            </a:solidFill>
+            <a:headEnd type="stealth"/>
+            <a:tailEnd type="stealth"/>
+          </a:ln>
+        </p:spPr>
+        <p:style>
+          <a:lnRef idx="2">
+            <a:schemeClr val="accent1"/>
+          </a:lnRef>
+          <a:fillRef idx="0">
+            <a:schemeClr val="accent1"/>
+          </a:fillRef>
+          <a:effectRef idx="1">
+            <a:schemeClr val="accent1"/>
+          </a:effectRef>
+          <a:fontRef idx="minor">
+            <a:schemeClr val="tx1"/>
+          </a:fontRef>
+        </p:style>
+      </p:cxnSp>
+      <p:cxnSp>
+        <p:nvCxnSpPr>
+          <p:cNvPr id="21" name="Rechte verbindingslijn 20">
+            <a:extLst>
+              <a:ext uri="{FF2B5EF4-FFF2-40B4-BE49-F238E27FC236}">
+                <a16:creationId xmlns:a16="http://schemas.microsoft.com/office/drawing/2014/main" id="{E651F6BE-F832-176B-44EE-20B73A0038DA}"/>
+              </a:ext>
+            </a:extLst>
+          </p:cNvPr>
+          <p:cNvCxnSpPr>
+            <a:cxnSpLocks/>
+          </p:cNvCxnSpPr>
+          <p:nvPr/>
+        </p:nvCxnSpPr>
+        <p:spPr>
+          <a:xfrm>
+            <a:off x="3455308" y="2378492"/>
+            <a:ext cx="2635539" cy="3584709"/>
+          </a:xfrm>
+          <a:prstGeom prst="line">
+            <a:avLst/>
+          </a:prstGeom>
+          <a:ln w="38100">
+            <a:solidFill>
+              <a:srgbClr val="C00000"/>
+            </a:solidFill>
+            <a:headEnd type="stealth"/>
+            <a:tailEnd type="stealth"/>
+          </a:ln>
+        </p:spPr>
+        <p:style>
+          <a:lnRef idx="2">
+            <a:schemeClr val="accent1"/>
+          </a:lnRef>
+          <a:fillRef idx="0">
+            <a:schemeClr val="accent1"/>
+          </a:fillRef>
+          <a:effectRef idx="1">
+            <a:schemeClr val="accent1"/>
+          </a:effectRef>
+          <a:fontRef idx="minor">
+            <a:schemeClr val="tx1"/>
+          </a:fontRef>
+        </p:style>
+      </p:cxnSp>
     </p:spTree>
     <p:extLst>
       <p:ext uri="{BB962C8B-B14F-4D97-AF65-F5344CB8AC3E}">

--- a/sql/img/SQLcompact_afbeeldingen.pptx
+++ b/sql/img/SQLcompact_afbeeldingen.pptx
@@ -8,6 +8,7 @@
     <p:sldId id="256" r:id="rId2"/>
     <p:sldId id="258" r:id="rId3"/>
     <p:sldId id="257" r:id="rId4"/>
+    <p:sldId id="259" r:id="rId5"/>
   </p:sldIdLst>
   <p:sldSz cx="12192000" cy="6858000"/>
   <p:notesSz cx="6858000" cy="9144000"/>
@@ -274,7 +275,7 @@
           <a:p>
             <a:fld id="{A16C4B6E-B458-49AB-B465-122E3E427539}" type="datetimeFigureOut">
               <a:rPr lang="en-US" smtClean="0"/>
-              <a:t>29-Jul-25</a:t>
+              <a:t>30-Jul-25</a:t>
             </a:fld>
             <a:endParaRPr lang="en-US"/>
           </a:p>
@@ -474,7 +475,7 @@
           <a:p>
             <a:fld id="{A16C4B6E-B458-49AB-B465-122E3E427539}" type="datetimeFigureOut">
               <a:rPr lang="en-US" smtClean="0"/>
-              <a:t>29-Jul-25</a:t>
+              <a:t>30-Jul-25</a:t>
             </a:fld>
             <a:endParaRPr lang="en-US"/>
           </a:p>
@@ -684,7 +685,7 @@
           <a:p>
             <a:fld id="{A16C4B6E-B458-49AB-B465-122E3E427539}" type="datetimeFigureOut">
               <a:rPr lang="en-US" smtClean="0"/>
-              <a:t>29-Jul-25</a:t>
+              <a:t>30-Jul-25</a:t>
             </a:fld>
             <a:endParaRPr lang="en-US"/>
           </a:p>
@@ -884,7 +885,7 @@
           <a:p>
             <a:fld id="{A16C4B6E-B458-49AB-B465-122E3E427539}" type="datetimeFigureOut">
               <a:rPr lang="en-US" smtClean="0"/>
-              <a:t>29-Jul-25</a:t>
+              <a:t>30-Jul-25</a:t>
             </a:fld>
             <a:endParaRPr lang="en-US"/>
           </a:p>
@@ -1160,7 +1161,7 @@
           <a:p>
             <a:fld id="{A16C4B6E-B458-49AB-B465-122E3E427539}" type="datetimeFigureOut">
               <a:rPr lang="en-US" smtClean="0"/>
-              <a:t>29-Jul-25</a:t>
+              <a:t>30-Jul-25</a:t>
             </a:fld>
             <a:endParaRPr lang="en-US"/>
           </a:p>
@@ -1428,7 +1429,7 @@
           <a:p>
             <a:fld id="{A16C4B6E-B458-49AB-B465-122E3E427539}" type="datetimeFigureOut">
               <a:rPr lang="en-US" smtClean="0"/>
-              <a:t>29-Jul-25</a:t>
+              <a:t>30-Jul-25</a:t>
             </a:fld>
             <a:endParaRPr lang="en-US"/>
           </a:p>
@@ -1843,7 +1844,7 @@
           <a:p>
             <a:fld id="{A16C4B6E-B458-49AB-B465-122E3E427539}" type="datetimeFigureOut">
               <a:rPr lang="en-US" smtClean="0"/>
-              <a:t>29-Jul-25</a:t>
+              <a:t>30-Jul-25</a:t>
             </a:fld>
             <a:endParaRPr lang="en-US"/>
           </a:p>
@@ -1985,7 +1986,7 @@
           <a:p>
             <a:fld id="{A16C4B6E-B458-49AB-B465-122E3E427539}" type="datetimeFigureOut">
               <a:rPr lang="en-US" smtClean="0"/>
-              <a:t>29-Jul-25</a:t>
+              <a:t>30-Jul-25</a:t>
             </a:fld>
             <a:endParaRPr lang="en-US"/>
           </a:p>
@@ -2098,7 +2099,7 @@
           <a:p>
             <a:fld id="{A16C4B6E-B458-49AB-B465-122E3E427539}" type="datetimeFigureOut">
               <a:rPr lang="en-US" smtClean="0"/>
-              <a:t>29-Jul-25</a:t>
+              <a:t>30-Jul-25</a:t>
             </a:fld>
             <a:endParaRPr lang="en-US"/>
           </a:p>
@@ -2411,7 +2412,7 @@
           <a:p>
             <a:fld id="{A16C4B6E-B458-49AB-B465-122E3E427539}" type="datetimeFigureOut">
               <a:rPr lang="en-US" smtClean="0"/>
-              <a:t>29-Jul-25</a:t>
+              <a:t>30-Jul-25</a:t>
             </a:fld>
             <a:endParaRPr lang="en-US"/>
           </a:p>
@@ -2700,7 +2701,7 @@
           <a:p>
             <a:fld id="{A16C4B6E-B458-49AB-B465-122E3E427539}" type="datetimeFigureOut">
               <a:rPr lang="en-US" smtClean="0"/>
-              <a:t>29-Jul-25</a:t>
+              <a:t>30-Jul-25</a:t>
             </a:fld>
             <a:endParaRPr lang="en-US"/>
           </a:p>
@@ -2943,7 +2944,7 @@
           <a:p>
             <a:fld id="{A16C4B6E-B458-49AB-B465-122E3E427539}" type="datetimeFigureOut">
               <a:rPr lang="en-US" smtClean="0"/>
-              <a:t>29-Jul-25</a:t>
+              <a:t>30-Jul-25</a:t>
             </a:fld>
             <a:endParaRPr lang="en-US"/>
           </a:p>
@@ -4702,6 +4703,127 @@
 </p:sld>
 </file>
 
+<file path=ppt/slides/slide4.xml><?xml version="1.0" encoding="utf-8"?>
+<p:sld xmlns:a="http://schemas.openxmlformats.org/drawingml/2006/main" xmlns:r="http://schemas.openxmlformats.org/officeDocument/2006/relationships" xmlns:p="http://schemas.openxmlformats.org/presentationml/2006/main">
+  <p:cSld>
+    <p:spTree>
+      <p:nvGrpSpPr>
+        <p:cNvPr id="1" name=""/>
+        <p:cNvGrpSpPr/>
+        <p:nvPr/>
+      </p:nvGrpSpPr>
+      <p:grpSpPr>
+        <a:xfrm>
+          <a:off x="0" y="0"/>
+          <a:ext cx="0" cy="0"/>
+          <a:chOff x="0" y="0"/>
+          <a:chExt cx="0" cy="0"/>
+        </a:xfrm>
+      </p:grpSpPr>
+      <p:pic>
+        <p:nvPicPr>
+          <p:cNvPr id="3" name="Afbeelding 2" descr="Afbeelding met tekst, schermopname, nummer, diagram&#10;&#10;Door AI gegenereerde inhoud is mogelijk onjuist.">
+            <a:extLst>
+              <a:ext uri="{FF2B5EF4-FFF2-40B4-BE49-F238E27FC236}">
+                <a16:creationId xmlns:a16="http://schemas.microsoft.com/office/drawing/2014/main" id="{104018BD-1166-1843-4C81-1CAE51C771B6}"/>
+              </a:ext>
+            </a:extLst>
+          </p:cNvPr>
+          <p:cNvPicPr>
+            <a:picLocks noChangeAspect="1"/>
+          </p:cNvPicPr>
+          <p:nvPr/>
+        </p:nvPicPr>
+        <p:blipFill>
+          <a:blip r:embed="rId2">
+            <a:extLst>
+              <a:ext uri="{28A0092B-C50C-407E-A947-70E740481C1C}">
+                <a14:useLocalDpi xmlns:a14="http://schemas.microsoft.com/office/drawing/2010/main" val="0"/>
+              </a:ext>
+            </a:extLst>
+          </a:blip>
+          <a:srcRect l="25000" t="25931" r="28387" b="16916"/>
+          <a:stretch>
+            <a:fillRect/>
+          </a:stretch>
+        </p:blipFill>
+        <p:spPr>
+          <a:xfrm>
+            <a:off x="3048000" y="1818968"/>
+            <a:ext cx="5683045" cy="3823076"/>
+          </a:xfrm>
+          <a:prstGeom prst="rect">
+            <a:avLst/>
+          </a:prstGeom>
+        </p:spPr>
+      </p:pic>
+      <p:sp>
+        <p:nvSpPr>
+          <p:cNvPr id="4" name="Rechthoek 3">
+            <a:extLst>
+              <a:ext uri="{FF2B5EF4-FFF2-40B4-BE49-F238E27FC236}">
+                <a16:creationId xmlns:a16="http://schemas.microsoft.com/office/drawing/2014/main" id="{A468BF87-5301-37CE-725F-C53C15BD055D}"/>
+              </a:ext>
+            </a:extLst>
+          </p:cNvPr>
+          <p:cNvSpPr/>
+          <p:nvPr/>
+        </p:nvSpPr>
+        <p:spPr>
+          <a:xfrm>
+            <a:off x="5532120" y="4640580"/>
+            <a:ext cx="3198925" cy="1001464"/>
+          </a:xfrm>
+          <a:prstGeom prst="rect">
+            <a:avLst/>
+          </a:prstGeom>
+          <a:solidFill>
+            <a:schemeClr val="bg1"/>
+          </a:solidFill>
+          <a:ln>
+            <a:solidFill>
+              <a:schemeClr val="bg1"/>
+            </a:solidFill>
+          </a:ln>
+        </p:spPr>
+        <p:style>
+          <a:lnRef idx="2">
+            <a:schemeClr val="accent1">
+              <a:shade val="15000"/>
+            </a:schemeClr>
+          </a:lnRef>
+          <a:fillRef idx="1">
+            <a:schemeClr val="accent1"/>
+          </a:fillRef>
+          <a:effectRef idx="0">
+            <a:schemeClr val="accent1"/>
+          </a:effectRef>
+          <a:fontRef idx="minor">
+            <a:schemeClr val="lt1"/>
+          </a:fontRef>
+        </p:style>
+        <p:txBody>
+          <a:bodyPr rtlCol="0" anchor="ctr"/>
+          <a:lstStyle/>
+          <a:p>
+            <a:pPr algn="ctr"/>
+            <a:endParaRPr lang="en-US"/>
+          </a:p>
+        </p:txBody>
+      </p:sp>
+    </p:spTree>
+    <p:extLst>
+      <p:ext uri="{BB962C8B-B14F-4D97-AF65-F5344CB8AC3E}">
+        <p14:creationId xmlns:p14="http://schemas.microsoft.com/office/powerpoint/2010/main" val="1430308620"/>
+      </p:ext>
+    </p:extLst>
+  </p:cSld>
+  <p:clrMapOvr>
+    <a:masterClrMapping/>
+  </p:clrMapOvr>
+</p:sld>
+</file>
+
 <file path=ppt/theme/theme1.xml><?xml version="1.0" encoding="utf-8"?>
 <a:theme xmlns:a="http://schemas.openxmlformats.org/drawingml/2006/main" name="Kantoorthema">
   <a:themeElements>
